--- a/Documentos/ProyectoFinal/Grupo1/RaycasterSFML/raycaster.pptx
+++ b/Documentos/ProyectoFinal/Grupo1/RaycasterSFML/raycaster.pptx
@@ -19,21 +19,22 @@
     <p:sldId id="264" r:id="rId14"/>
     <p:sldId id="265" r:id="rId15"/>
     <p:sldId id="266" r:id="rId16"/>
+    <p:sldId id="267" r:id="rId17"/>
   </p:sldIdLst>
   <p:sldSz cy="5143500" cx="9144000"/>
   <p:notesSz cx="6858000" cy="9144000"/>
   <p:embeddedFontLst>
     <p:embeddedFont>
       <p:font typeface="Nunito"/>
-      <p:regular r:id="rId17"/>
-      <p:bold r:id="rId18"/>
-      <p:italic r:id="rId19"/>
-      <p:boldItalic r:id="rId20"/>
+      <p:regular r:id="rId18"/>
+      <p:bold r:id="rId19"/>
+      <p:italic r:id="rId20"/>
+      <p:boldItalic r:id="rId21"/>
     </p:embeddedFont>
     <p:embeddedFont>
       <p:font typeface="Maven Pro"/>
-      <p:regular r:id="rId21"/>
-      <p:bold r:id="rId22"/>
+      <p:regular r:id="rId22"/>
+      <p:bold r:id="rId23"/>
     </p:embeddedFont>
   </p:embeddedFontLst>
   <p:defaultTextStyle>
@@ -963,6 +964,105 @@
       <p:sp>
         <p:nvSpPr>
           <p:cNvPr id="354" name="Google Shape;354;g121727d1995_0_418:notes"/>
+          <p:cNvSpPr txBox="1"/>
+          <p:nvPr>
+            <p:ph idx="1" type="body"/>
+          </p:nvPr>
+        </p:nvSpPr>
+        <p:spPr>
+          <a:xfrm>
+            <a:off x="685800" y="4343400"/>
+            <a:ext cx="5486400" cy="4114800"/>
+          </a:xfrm>
+          <a:prstGeom prst="rect">
+            <a:avLst/>
+          </a:prstGeom>
+        </p:spPr>
+        <p:txBody>
+          <a:bodyPr anchorCtr="0" anchor="t" bIns="91425" lIns="91425" spcFirstLastPara="1" rIns="91425" wrap="square" tIns="91425">
+            <a:noAutofit/>
+          </a:bodyPr>
+          <a:lstStyle/>
+          <a:p>
+            <a:pPr indent="0" lvl="0" marL="0" rtl="0" algn="l">
+              <a:spcBef>
+                <a:spcPts val="0"/>
+              </a:spcBef>
+              <a:spcAft>
+                <a:spcPts val="0"/>
+              </a:spcAft>
+              <a:buNone/>
+            </a:pPr>
+            <a:r>
+              <a:t/>
+            </a:r>
+            <a:endParaRPr/>
+          </a:p>
+        </p:txBody>
+      </p:sp>
+    </p:spTree>
+  </p:cSld>
+  <p:clrMapOvr>
+    <a:masterClrMapping/>
+  </p:clrMapOvr>
+</p:notes>
+</file>
+
+<file path=ppt/notesSlides/notesSlide12.xml><?xml version="1.0" encoding="utf-8"?>
+<p:notes xmlns:a="http://schemas.openxmlformats.org/drawingml/2006/main" xmlns:r="http://schemas.openxmlformats.org/officeDocument/2006/relationships" xmlns:mc="http://schemas.openxmlformats.org/markup-compatibility/2006" xmlns:mv="urn:schemas-microsoft-com:mac:vml" xmlns:p="http://schemas.openxmlformats.org/presentationml/2006/main" xmlns:c="http://schemas.openxmlformats.org/drawingml/2006/chart" xmlns:dgm="http://schemas.openxmlformats.org/drawingml/2006/diagram" xmlns:o="urn:schemas-microsoft-com:office:office" xmlns:v="urn:schemas-microsoft-com:vml" xmlns:pvml="urn:schemas-microsoft-com:office:powerpoint" xmlns:com="http://schemas.openxmlformats.org/drawingml/2006/compatibility" xmlns:p14="http://schemas.microsoft.com/office/powerpoint/2010/main" xmlns:p15="http://schemas.microsoft.com/office/powerpoint/2012/main" xmlns:ahyp="http://schemas.microsoft.com/office/drawing/2018/hyperlinkcolor" showMasterPhAnim="0" showMasterSp="0">
+  <p:cSld>
+    <p:spTree>
+      <p:nvGrpSpPr>
+        <p:cNvPr id="361" name="Shape 361"/>
+        <p:cNvGrpSpPr/>
+        <p:nvPr/>
+      </p:nvGrpSpPr>
+      <p:grpSpPr>
+        <a:xfrm>
+          <a:off x="0" y="0"/>
+          <a:ext cx="0" cy="0"/>
+          <a:chOff x="0" y="0"/>
+          <a:chExt cx="0" cy="0"/>
+        </a:xfrm>
+      </p:grpSpPr>
+      <p:sp>
+        <p:nvSpPr>
+          <p:cNvPr id="362" name="Google Shape;362;gf3d6bbaa50_0_0:notes"/>
+          <p:cNvSpPr/>
+          <p:nvPr>
+            <p:ph idx="2" type="sldImg"/>
+          </p:nvPr>
+        </p:nvSpPr>
+        <p:spPr>
+          <a:xfrm>
+            <a:off x="381300" y="685800"/>
+            <a:ext cx="6096000" cy="3429000"/>
+          </a:xfrm>
+          <a:custGeom>
+            <a:rect b="b" l="l" r="r" t="t"/>
+            <a:pathLst>
+              <a:path extrusionOk="0" h="120000" w="120000">
+                <a:moveTo>
+                  <a:pt x="0" y="0"/>
+                </a:moveTo>
+                <a:lnTo>
+                  <a:pt x="120000" y="0"/>
+                </a:lnTo>
+                <a:lnTo>
+                  <a:pt x="120000" y="120000"/>
+                </a:lnTo>
+                <a:lnTo>
+                  <a:pt x="0" y="120000"/>
+                </a:lnTo>
+                <a:close/>
+              </a:path>
+            </a:pathLst>
+          </a:custGeom>
+        </p:spPr>
+      </p:sp>
+      <p:sp>
+        <p:nvSpPr>
+          <p:cNvPr id="363" name="Google Shape;363;gf3d6bbaa50_0_0:notes"/>
           <p:cNvSpPr txBox="1"/>
           <p:nvPr>
             <p:ph idx="1" type="body"/>
@@ -16121,7 +16221,7 @@
             </a:pPr>
             <a:r>
               <a:rPr lang="es"/>
-              <a:t>Motor Gráfico 3D con Raytracing y SFML</a:t>
+              <a:t>Motor Gráfico 3D con Raycasting y SFML</a:t>
             </a:r>
             <a:endParaRPr/>
           </a:p>
@@ -16612,6 +16712,161 @@
           </a:ln>
         </p:spPr>
       </p:pic>
+    </p:spTree>
+  </p:cSld>
+  <p:clrMapOvr>
+    <a:masterClrMapping/>
+  </p:clrMapOvr>
+</p:sld>
+</file>
+
+<file path=ppt/slides/slide12.xml><?xml version="1.0" encoding="utf-8"?>
+<p:sld xmlns:a="http://schemas.openxmlformats.org/drawingml/2006/main" xmlns:r="http://schemas.openxmlformats.org/officeDocument/2006/relationships" xmlns:mc="http://schemas.openxmlformats.org/markup-compatibility/2006" xmlns:mv="urn:schemas-microsoft-com:mac:vml" xmlns:p="http://schemas.openxmlformats.org/presentationml/2006/main" xmlns:c="http://schemas.openxmlformats.org/drawingml/2006/chart" xmlns:dgm="http://schemas.openxmlformats.org/drawingml/2006/diagram" xmlns:o="urn:schemas-microsoft-com:office:office" xmlns:v="urn:schemas-microsoft-com:vml" xmlns:pvml="urn:schemas-microsoft-com:office:powerpoint" xmlns:com="http://schemas.openxmlformats.org/drawingml/2006/compatibility" xmlns:p14="http://schemas.microsoft.com/office/powerpoint/2010/main" xmlns:p15="http://schemas.microsoft.com/office/powerpoint/2012/main" xmlns:ahyp="http://schemas.microsoft.com/office/drawing/2018/hyperlinkcolor">
+  <p:cSld>
+    <p:spTree>
+      <p:nvGrpSpPr>
+        <p:cNvPr id="364" name="Shape 364"/>
+        <p:cNvGrpSpPr/>
+        <p:nvPr/>
+      </p:nvGrpSpPr>
+      <p:grpSpPr>
+        <a:xfrm>
+          <a:off x="0" y="0"/>
+          <a:ext cx="0" cy="0"/>
+          <a:chOff x="0" y="0"/>
+          <a:chExt cx="0" cy="0"/>
+        </a:xfrm>
+      </p:grpSpPr>
+      <p:sp>
+        <p:nvSpPr>
+          <p:cNvPr id="365" name="Google Shape;365;p24"/>
+          <p:cNvSpPr txBox="1"/>
+          <p:nvPr>
+            <p:ph type="title"/>
+          </p:nvPr>
+        </p:nvSpPr>
+        <p:spPr>
+          <a:xfrm>
+            <a:off x="1303800" y="598575"/>
+            <a:ext cx="7030500" cy="999300"/>
+          </a:xfrm>
+          <a:prstGeom prst="rect">
+            <a:avLst/>
+          </a:prstGeom>
+        </p:spPr>
+        <p:txBody>
+          <a:bodyPr anchorCtr="0" anchor="t" bIns="91425" lIns="91425" spcFirstLastPara="1" rIns="91425" wrap="square" tIns="91425">
+            <a:normAutofit/>
+          </a:bodyPr>
+          <a:lstStyle/>
+          <a:p>
+            <a:pPr indent="0" lvl="0" marL="0" rtl="0" algn="l">
+              <a:spcBef>
+                <a:spcPts val="0"/>
+              </a:spcBef>
+              <a:spcAft>
+                <a:spcPts val="0"/>
+              </a:spcAft>
+              <a:buNone/>
+            </a:pPr>
+            <a:r>
+              <a:rPr lang="es"/>
+              <a:t>Referencias</a:t>
+            </a:r>
+            <a:endParaRPr/>
+          </a:p>
+        </p:txBody>
+      </p:sp>
+      <p:sp>
+        <p:nvSpPr>
+          <p:cNvPr id="366" name="Google Shape;366;p24"/>
+          <p:cNvSpPr txBox="1"/>
+          <p:nvPr>
+            <p:ph idx="1" type="body"/>
+          </p:nvPr>
+        </p:nvSpPr>
+        <p:spPr>
+          <a:xfrm>
+            <a:off x="1303800" y="1990050"/>
+            <a:ext cx="7030500" cy="2541600"/>
+          </a:xfrm>
+          <a:prstGeom prst="rect">
+            <a:avLst/>
+          </a:prstGeom>
+        </p:spPr>
+        <p:txBody>
+          <a:bodyPr anchorCtr="0" anchor="t" bIns="91425" lIns="91425" spcFirstLastPara="1" rIns="91425" wrap="square" tIns="91425">
+            <a:normAutofit/>
+          </a:bodyPr>
+          <a:lstStyle/>
+          <a:p>
+            <a:pPr indent="-355600" lvl="0" marL="457200" rtl="0" algn="l">
+              <a:spcBef>
+                <a:spcPts val="0"/>
+              </a:spcBef>
+              <a:spcAft>
+                <a:spcPts val="0"/>
+              </a:spcAft>
+              <a:buSzPts val="2000"/>
+              <a:buChar char="-"/>
+            </a:pPr>
+            <a:r>
+              <a:rPr lang="es" sz="2000" u="sng">
+                <a:solidFill>
+                  <a:schemeClr val="hlink"/>
+                </a:solidFill>
+                <a:hlinkClick r:id="rId3"/>
+              </a:rPr>
+              <a:t>https://en.wikipedia.org/wiki/Ray_casting</a:t>
+            </a:r>
+            <a:endParaRPr sz="2000"/>
+          </a:p>
+          <a:p>
+            <a:pPr indent="-355600" lvl="0" marL="457200" rtl="0" algn="l">
+              <a:spcBef>
+                <a:spcPts val="0"/>
+              </a:spcBef>
+              <a:spcAft>
+                <a:spcPts val="0"/>
+              </a:spcAft>
+              <a:buSzPts val="2000"/>
+              <a:buChar char="-"/>
+            </a:pPr>
+            <a:r>
+              <a:rPr lang="es" sz="2000" u="sng">
+                <a:solidFill>
+                  <a:schemeClr val="hlink"/>
+                </a:solidFill>
+                <a:hlinkClick r:id="rId4"/>
+              </a:rPr>
+              <a:t>https://lodev.org/cgtutor/raycasting.html</a:t>
+            </a:r>
+            <a:endParaRPr sz="2000"/>
+          </a:p>
+          <a:p>
+            <a:pPr indent="-355600" lvl="0" marL="457200" rtl="0" algn="l">
+              <a:spcBef>
+                <a:spcPts val="0"/>
+              </a:spcBef>
+              <a:spcAft>
+                <a:spcPts val="0"/>
+              </a:spcAft>
+              <a:buSzPts val="2000"/>
+              <a:buChar char="-"/>
+            </a:pPr>
+            <a:r>
+              <a:rPr lang="es" sz="2000" u="sng">
+                <a:solidFill>
+                  <a:schemeClr val="hlink"/>
+                </a:solidFill>
+                <a:hlinkClick r:id="rId5"/>
+              </a:rPr>
+              <a:t>https://www.youtube.com/watch?v=8XnQq28TRZY</a:t>
+            </a:r>
+            <a:endParaRPr sz="2000"/>
+          </a:p>
+        </p:txBody>
+      </p:sp>
     </p:spTree>
   </p:cSld>
   <p:clrMapOvr>
